--- a/presentation/main.pptx
+++ b/presentation/main.pptx
@@ -5,7 +5,7 @@
     <p:sldMasterId id="2147483648" r:id="rId4"/>
   </p:sldMasterIdLst>
   <p:notesMasterIdLst>
-    <p:notesMasterId r:id="rId31"/>
+    <p:notesMasterId r:id="rId33"/>
   </p:notesMasterIdLst>
   <p:sldIdLst>
     <p:sldId id="286" r:id="rId5"/>
@@ -17,23 +17,25 @@
     <p:sldId id="293" r:id="rId11"/>
     <p:sldId id="294" r:id="rId12"/>
     <p:sldId id="295" r:id="rId13"/>
-    <p:sldId id="296" r:id="rId14"/>
-    <p:sldId id="271" r:id="rId15"/>
-    <p:sldId id="272" r:id="rId16"/>
-    <p:sldId id="273" r:id="rId17"/>
-    <p:sldId id="274" r:id="rId18"/>
-    <p:sldId id="275" r:id="rId19"/>
-    <p:sldId id="276" r:id="rId20"/>
-    <p:sldId id="277" r:id="rId21"/>
-    <p:sldId id="278" r:id="rId22"/>
-    <p:sldId id="279" r:id="rId23"/>
-    <p:sldId id="280" r:id="rId24"/>
-    <p:sldId id="267" r:id="rId25"/>
-    <p:sldId id="281" r:id="rId26"/>
-    <p:sldId id="282" r:id="rId27"/>
-    <p:sldId id="283" r:id="rId28"/>
-    <p:sldId id="284" r:id="rId29"/>
-    <p:sldId id="285" r:id="rId30"/>
+    <p:sldId id="297" r:id="rId14"/>
+    <p:sldId id="298" r:id="rId15"/>
+    <p:sldId id="271" r:id="rId16"/>
+    <p:sldId id="296" r:id="rId17"/>
+    <p:sldId id="272" r:id="rId18"/>
+    <p:sldId id="273" r:id="rId19"/>
+    <p:sldId id="274" r:id="rId20"/>
+    <p:sldId id="275" r:id="rId21"/>
+    <p:sldId id="276" r:id="rId22"/>
+    <p:sldId id="277" r:id="rId23"/>
+    <p:sldId id="278" r:id="rId24"/>
+    <p:sldId id="279" r:id="rId25"/>
+    <p:sldId id="280" r:id="rId26"/>
+    <p:sldId id="267" r:id="rId27"/>
+    <p:sldId id="281" r:id="rId28"/>
+    <p:sldId id="282" r:id="rId29"/>
+    <p:sldId id="283" r:id="rId30"/>
+    <p:sldId id="284" r:id="rId31"/>
+    <p:sldId id="285" r:id="rId32"/>
   </p:sldIdLst>
   <p:sldSz cx="12192000" cy="6858000"/>
   <p:notesSz cx="6858000" cy="9144000"/>
@@ -6740,7 +6742,7 @@
           <a:p>
             <a:fld id="{73261BF4-8B2C-784B-9959-B59A059012C3}" type="datetimeFigureOut">
               <a:rPr lang="en-RU" smtClean="0"/>
-              <a:t>11/16/23</a:t>
+              <a:t>12/13/23</a:t>
             </a:fld>
             <a:endParaRPr lang="en-RU"/>
           </a:p>
@@ -7111,7 +7113,7 @@
       </p:grpSpPr>
       <p:sp>
         <p:nvSpPr>
-          <p:cNvPr id="2" name="Slide Image Placeholder 1"/>
+          <p:cNvPr id="2" name="Образ слайда 1"/>
           <p:cNvSpPr>
             <a:spLocks noGrp="1" noRot="1" noChangeAspect="1"/>
           </p:cNvSpPr>
@@ -7123,7 +7125,7 @@
       </p:sp>
       <p:sp>
         <p:nvSpPr>
-          <p:cNvPr id="3" name="Notes Placeholder 2"/>
+          <p:cNvPr id="3" name="Заметки 2"/>
           <p:cNvSpPr>
             <a:spLocks noGrp="1"/>
           </p:cNvSpPr>
@@ -7136,13 +7138,13 @@
           <a:bodyPr/>
           <a:lstStyle/>
           <a:p>
-            <a:endParaRPr lang="en-RU"/>
+            <a:endParaRPr lang="ru-RU" dirty="0"/>
           </a:p>
         </p:txBody>
       </p:sp>
       <p:sp>
         <p:nvSpPr>
-          <p:cNvPr id="4" name="Slide Number Placeholder 3"/>
+          <p:cNvPr id="4" name="Номер слайда 3"/>
           <p:cNvSpPr>
             <a:spLocks noGrp="1"/>
           </p:cNvSpPr>
@@ -7157,7 +7159,7 @@
           <a:p>
             <a:fld id="{6C748903-8EB5-294E-A216-6B54B0368783}" type="slidenum">
               <a:rPr lang="en-RU" smtClean="0"/>
-              <a:t>21</a:t>
+              <a:t>10</a:t>
             </a:fld>
             <a:endParaRPr lang="en-RU"/>
           </a:p>
@@ -7166,7 +7168,7 @@
     </p:spTree>
     <p:extLst>
       <p:ext uri="{BB962C8B-B14F-4D97-AF65-F5344CB8AC3E}">
-        <p14:creationId xmlns:p14="http://schemas.microsoft.com/office/powerpoint/2010/main" val="181190697"/>
+        <p14:creationId xmlns:p14="http://schemas.microsoft.com/office/powerpoint/2010/main" val="2459681415"/>
       </p:ext>
     </p:extLst>
   </p:cSld>
@@ -7241,7 +7243,175 @@
           <a:p>
             <a:fld id="{6C748903-8EB5-294E-A216-6B54B0368783}" type="slidenum">
               <a:rPr lang="en-RU" smtClean="0"/>
-              <a:t>22</a:t>
+              <a:t>11</a:t>
+            </a:fld>
+            <a:endParaRPr lang="en-RU"/>
+          </a:p>
+        </p:txBody>
+      </p:sp>
+    </p:spTree>
+    <p:extLst>
+      <p:ext uri="{BB962C8B-B14F-4D97-AF65-F5344CB8AC3E}">
+        <p14:creationId xmlns:p14="http://schemas.microsoft.com/office/powerpoint/2010/main" val="1658200725"/>
+      </p:ext>
+    </p:extLst>
+  </p:cSld>
+  <p:clrMapOvr>
+    <a:masterClrMapping/>
+  </p:clrMapOvr>
+</p:notes>
+</file>
+
+<file path=ppt/notesSlides/notesSlide4.xml><?xml version="1.0" encoding="utf-8"?>
+<p:notes xmlns:a="http://schemas.openxmlformats.org/drawingml/2006/main" xmlns:r="http://schemas.openxmlformats.org/officeDocument/2006/relationships" xmlns:p="http://schemas.openxmlformats.org/presentationml/2006/main">
+  <p:cSld>
+    <p:spTree>
+      <p:nvGrpSpPr>
+        <p:cNvPr id="1" name=""/>
+        <p:cNvGrpSpPr/>
+        <p:nvPr/>
+      </p:nvGrpSpPr>
+      <p:grpSpPr>
+        <a:xfrm>
+          <a:off x="0" y="0"/>
+          <a:ext cx="0" cy="0"/>
+          <a:chOff x="0" y="0"/>
+          <a:chExt cx="0" cy="0"/>
+        </a:xfrm>
+      </p:grpSpPr>
+      <p:sp>
+        <p:nvSpPr>
+          <p:cNvPr id="2" name="Slide Image Placeholder 1"/>
+          <p:cNvSpPr>
+            <a:spLocks noGrp="1" noRot="1" noChangeAspect="1"/>
+          </p:cNvSpPr>
+          <p:nvPr>
+            <p:ph type="sldImg"/>
+          </p:nvPr>
+        </p:nvSpPr>
+        <p:spPr/>
+      </p:sp>
+      <p:sp>
+        <p:nvSpPr>
+          <p:cNvPr id="3" name="Notes Placeholder 2"/>
+          <p:cNvSpPr>
+            <a:spLocks noGrp="1"/>
+          </p:cNvSpPr>
+          <p:nvPr>
+            <p:ph type="body" idx="1"/>
+          </p:nvPr>
+        </p:nvSpPr>
+        <p:spPr/>
+        <p:txBody>
+          <a:bodyPr/>
+          <a:lstStyle/>
+          <a:p>
+            <a:endParaRPr lang="en-RU"/>
+          </a:p>
+        </p:txBody>
+      </p:sp>
+      <p:sp>
+        <p:nvSpPr>
+          <p:cNvPr id="4" name="Slide Number Placeholder 3"/>
+          <p:cNvSpPr>
+            <a:spLocks noGrp="1"/>
+          </p:cNvSpPr>
+          <p:nvPr>
+            <p:ph type="sldNum" sz="quarter" idx="5"/>
+          </p:nvPr>
+        </p:nvSpPr>
+        <p:spPr/>
+        <p:txBody>
+          <a:bodyPr/>
+          <a:lstStyle/>
+          <a:p>
+            <a:fld id="{6C748903-8EB5-294E-A216-6B54B0368783}" type="slidenum">
+              <a:rPr lang="en-RU" smtClean="0"/>
+              <a:t>23</a:t>
+            </a:fld>
+            <a:endParaRPr lang="en-RU"/>
+          </a:p>
+        </p:txBody>
+      </p:sp>
+    </p:spTree>
+    <p:extLst>
+      <p:ext uri="{BB962C8B-B14F-4D97-AF65-F5344CB8AC3E}">
+        <p14:creationId xmlns:p14="http://schemas.microsoft.com/office/powerpoint/2010/main" val="181190697"/>
+      </p:ext>
+    </p:extLst>
+  </p:cSld>
+  <p:clrMapOvr>
+    <a:masterClrMapping/>
+  </p:clrMapOvr>
+</p:notes>
+</file>
+
+<file path=ppt/notesSlides/notesSlide5.xml><?xml version="1.0" encoding="utf-8"?>
+<p:notes xmlns:a="http://schemas.openxmlformats.org/drawingml/2006/main" xmlns:r="http://schemas.openxmlformats.org/officeDocument/2006/relationships" xmlns:p="http://schemas.openxmlformats.org/presentationml/2006/main">
+  <p:cSld>
+    <p:spTree>
+      <p:nvGrpSpPr>
+        <p:cNvPr id="1" name=""/>
+        <p:cNvGrpSpPr/>
+        <p:nvPr/>
+      </p:nvGrpSpPr>
+      <p:grpSpPr>
+        <a:xfrm>
+          <a:off x="0" y="0"/>
+          <a:ext cx="0" cy="0"/>
+          <a:chOff x="0" y="0"/>
+          <a:chExt cx="0" cy="0"/>
+        </a:xfrm>
+      </p:grpSpPr>
+      <p:sp>
+        <p:nvSpPr>
+          <p:cNvPr id="2" name="Образ слайда 1"/>
+          <p:cNvSpPr>
+            <a:spLocks noGrp="1" noRot="1" noChangeAspect="1"/>
+          </p:cNvSpPr>
+          <p:nvPr>
+            <p:ph type="sldImg"/>
+          </p:nvPr>
+        </p:nvSpPr>
+        <p:spPr/>
+      </p:sp>
+      <p:sp>
+        <p:nvSpPr>
+          <p:cNvPr id="3" name="Заметки 2"/>
+          <p:cNvSpPr>
+            <a:spLocks noGrp="1"/>
+          </p:cNvSpPr>
+          <p:nvPr>
+            <p:ph type="body" idx="1"/>
+          </p:nvPr>
+        </p:nvSpPr>
+        <p:spPr/>
+        <p:txBody>
+          <a:bodyPr/>
+          <a:lstStyle/>
+          <a:p>
+            <a:endParaRPr lang="ru-RU" dirty="0"/>
+          </a:p>
+        </p:txBody>
+      </p:sp>
+      <p:sp>
+        <p:nvSpPr>
+          <p:cNvPr id="4" name="Номер слайда 3"/>
+          <p:cNvSpPr>
+            <a:spLocks noGrp="1"/>
+          </p:cNvSpPr>
+          <p:nvPr>
+            <p:ph type="sldNum" sz="quarter" idx="5"/>
+          </p:nvPr>
+        </p:nvSpPr>
+        <p:spPr/>
+        <p:txBody>
+          <a:bodyPr/>
+          <a:lstStyle/>
+          <a:p>
+            <a:fld id="{6C748903-8EB5-294E-A216-6B54B0368783}" type="slidenum">
+              <a:rPr lang="en-RU" smtClean="0"/>
+              <a:t>24</a:t>
             </a:fld>
             <a:endParaRPr lang="en-RU"/>
           </a:p>
@@ -20396,7 +20566,7 @@
           <a:p>
             <a:fld id="{53063DFB-8595-A44B-9F09-A50FA310E559}" type="datetimeFigureOut">
               <a:rPr lang="en-RU" smtClean="0"/>
-              <a:t>11/16/23</a:t>
+              <a:t>12/13/23</a:t>
             </a:fld>
             <a:endParaRPr lang="en-RU"/>
           </a:p>
@@ -21053,6 +21223,569 @@
           <a:p>
             <a:r>
               <a:rPr lang="ru-RU" dirty="0"/>
+              <a:t>Семпл данных</a:t>
+            </a:r>
+          </a:p>
+        </p:txBody>
+      </p:sp>
+      <p:sp>
+        <p:nvSpPr>
+          <p:cNvPr id="5" name="Текст 4">
+            <a:extLst>
+              <a:ext uri="{FF2B5EF4-FFF2-40B4-BE49-F238E27FC236}">
+                <a16:creationId xmlns:a16="http://schemas.microsoft.com/office/drawing/2014/main" id="{3EB29DC1-D5D4-FB41-9E2D-AA4750D0CC8B}"/>
+              </a:ext>
+            </a:extLst>
+          </p:cNvPr>
+          <p:cNvSpPr>
+            <a:spLocks noGrp="1"/>
+          </p:cNvSpPr>
+          <p:nvPr>
+            <p:ph type="body" sz="quarter" idx="13"/>
+          </p:nvPr>
+        </p:nvSpPr>
+        <p:spPr>
+          <a:xfrm>
+            <a:off x="1143689" y="540904"/>
+            <a:ext cx="2070100" cy="544199"/>
+          </a:xfrm>
+        </p:spPr>
+        <p:txBody>
+          <a:bodyPr/>
+          <a:lstStyle/>
+          <a:p>
+            <a:r>
+              <a:rPr lang="ru-RU" dirty="0"/>
+              <a:t>Научно-исследовательский семинар "Методы интеллектуального анализа данных"</a:t>
+            </a:r>
+          </a:p>
+        </p:txBody>
+      </p:sp>
+      <p:sp>
+        <p:nvSpPr>
+          <p:cNvPr id="8" name="Текст 2">
+            <a:extLst>
+              <a:ext uri="{FF2B5EF4-FFF2-40B4-BE49-F238E27FC236}">
+                <a16:creationId xmlns:a16="http://schemas.microsoft.com/office/drawing/2014/main" id="{95934151-0B45-7853-D5DC-F57F89966FDE}"/>
+              </a:ext>
+            </a:extLst>
+          </p:cNvPr>
+          <p:cNvSpPr>
+            <a:spLocks noGrp="1"/>
+          </p:cNvSpPr>
+          <p:nvPr>
+            <p:ph type="body" sz="quarter" idx="14"/>
+          </p:nvPr>
+        </p:nvSpPr>
+        <p:spPr/>
+        <p:txBody>
+          <a:bodyPr/>
+          <a:lstStyle/>
+          <a:p>
+            <a:r>
+              <a:rPr lang="ru-RU" dirty="0"/>
+              <a:t>Галлюцинации в </a:t>
+            </a:r>
+            <a:r>
+              <a:rPr lang="en-US" dirty="0"/>
+              <a:t>LLM, </a:t>
+            </a:r>
+            <a:r>
+              <a:rPr lang="ru-RU" dirty="0"/>
+              <a:t>их измерение и способы сокращения</a:t>
+            </a:r>
+          </a:p>
+        </p:txBody>
+      </p:sp>
+      <p:pic>
+        <p:nvPicPr>
+          <p:cNvPr id="13" name="Рисунок 12">
+            <a:extLst>
+              <a:ext uri="{FF2B5EF4-FFF2-40B4-BE49-F238E27FC236}">
+                <a16:creationId xmlns:a16="http://schemas.microsoft.com/office/drawing/2014/main" id="{19947495-9EEC-151E-43F8-13D3D1F6D77C}"/>
+              </a:ext>
+            </a:extLst>
+          </p:cNvPr>
+          <p:cNvPicPr>
+            <a:picLocks noChangeAspect="1"/>
+          </p:cNvPicPr>
+          <p:nvPr/>
+        </p:nvPicPr>
+        <p:blipFill>
+          <a:blip r:embed="rId3"/>
+          <a:stretch>
+            <a:fillRect/>
+          </a:stretch>
+        </p:blipFill>
+        <p:spPr>
+          <a:xfrm>
+            <a:off x="622190" y="2053272"/>
+            <a:ext cx="10947619" cy="966734"/>
+          </a:xfrm>
+          <a:prstGeom prst="rect">
+            <a:avLst/>
+          </a:prstGeom>
+        </p:spPr>
+      </p:pic>
+      <p:pic>
+        <p:nvPicPr>
+          <p:cNvPr id="14" name="Рисунок 13">
+            <a:extLst>
+              <a:ext uri="{FF2B5EF4-FFF2-40B4-BE49-F238E27FC236}">
+                <a16:creationId xmlns:a16="http://schemas.microsoft.com/office/drawing/2014/main" id="{F9E64250-3F20-6503-75A4-302599A2A29B}"/>
+              </a:ext>
+            </a:extLst>
+          </p:cNvPr>
+          <p:cNvPicPr>
+            <a:picLocks noChangeAspect="1"/>
+          </p:cNvPicPr>
+          <p:nvPr/>
+        </p:nvPicPr>
+        <p:blipFill>
+          <a:blip r:embed="rId4"/>
+          <a:stretch>
+            <a:fillRect/>
+          </a:stretch>
+        </p:blipFill>
+        <p:spPr>
+          <a:xfrm>
+            <a:off x="935031" y="3625488"/>
+            <a:ext cx="5845468" cy="1117738"/>
+          </a:xfrm>
+          <a:prstGeom prst="rect">
+            <a:avLst/>
+          </a:prstGeom>
+        </p:spPr>
+      </p:pic>
+    </p:spTree>
+    <p:extLst>
+      <p:ext uri="{BB962C8B-B14F-4D97-AF65-F5344CB8AC3E}">
+        <p14:creationId xmlns:p14="http://schemas.microsoft.com/office/powerpoint/2010/main" val="1586040710"/>
+      </p:ext>
+    </p:extLst>
+  </p:cSld>
+  <p:clrMapOvr>
+    <a:masterClrMapping/>
+  </p:clrMapOvr>
+</p:sld>
+</file>
+
+<file path=ppt/slides/slide11.xml><?xml version="1.0" encoding="utf-8"?>
+<p:sld xmlns:a="http://schemas.openxmlformats.org/drawingml/2006/main" xmlns:r="http://schemas.openxmlformats.org/officeDocument/2006/relationships" xmlns:p="http://schemas.openxmlformats.org/presentationml/2006/main">
+  <p:cSld>
+    <p:spTree>
+      <p:nvGrpSpPr>
+        <p:cNvPr id="1" name=""/>
+        <p:cNvGrpSpPr/>
+        <p:nvPr/>
+      </p:nvGrpSpPr>
+      <p:grpSpPr>
+        <a:xfrm>
+          <a:off x="0" y="0"/>
+          <a:ext cx="0" cy="0"/>
+          <a:chOff x="0" y="0"/>
+          <a:chExt cx="0" cy="0"/>
+        </a:xfrm>
+      </p:grpSpPr>
+      <p:sp>
+        <p:nvSpPr>
+          <p:cNvPr id="3" name="Заголовок 2">
+            <a:extLst>
+              <a:ext uri="{FF2B5EF4-FFF2-40B4-BE49-F238E27FC236}">
+                <a16:creationId xmlns:a16="http://schemas.microsoft.com/office/drawing/2014/main" id="{E2EAF03B-EC26-1D47-94AC-C75942861D6C}"/>
+              </a:ext>
+            </a:extLst>
+          </p:cNvPr>
+          <p:cNvSpPr>
+            <a:spLocks noGrp="1"/>
+          </p:cNvSpPr>
+          <p:nvPr>
+            <p:ph type="title"/>
+          </p:nvPr>
+        </p:nvSpPr>
+        <p:spPr/>
+        <p:txBody>
+          <a:bodyPr>
+            <a:normAutofit/>
+          </a:bodyPr>
+          <a:lstStyle/>
+          <a:p>
+            <a:r>
+              <a:rPr lang="ru-RU" dirty="0"/>
+              <a:t>Итоги</a:t>
+            </a:r>
+          </a:p>
+        </p:txBody>
+      </p:sp>
+      <p:sp>
+        <p:nvSpPr>
+          <p:cNvPr id="5" name="Текст 4">
+            <a:extLst>
+              <a:ext uri="{FF2B5EF4-FFF2-40B4-BE49-F238E27FC236}">
+                <a16:creationId xmlns:a16="http://schemas.microsoft.com/office/drawing/2014/main" id="{3EB29DC1-D5D4-FB41-9E2D-AA4750D0CC8B}"/>
+              </a:ext>
+            </a:extLst>
+          </p:cNvPr>
+          <p:cNvSpPr>
+            <a:spLocks noGrp="1"/>
+          </p:cNvSpPr>
+          <p:nvPr>
+            <p:ph type="body" sz="quarter" idx="13"/>
+          </p:nvPr>
+        </p:nvSpPr>
+        <p:spPr>
+          <a:xfrm>
+            <a:off x="1143689" y="540904"/>
+            <a:ext cx="2070100" cy="544199"/>
+          </a:xfrm>
+        </p:spPr>
+        <p:txBody>
+          <a:bodyPr/>
+          <a:lstStyle/>
+          <a:p>
+            <a:r>
+              <a:rPr lang="ru-RU" dirty="0"/>
+              <a:t>Научно-исследовательский семинар "Методы интеллектуального анализа данных"</a:t>
+            </a:r>
+          </a:p>
+        </p:txBody>
+      </p:sp>
+      <p:sp>
+        <p:nvSpPr>
+          <p:cNvPr id="8" name="Текст 2">
+            <a:extLst>
+              <a:ext uri="{FF2B5EF4-FFF2-40B4-BE49-F238E27FC236}">
+                <a16:creationId xmlns:a16="http://schemas.microsoft.com/office/drawing/2014/main" id="{95934151-0B45-7853-D5DC-F57F89966FDE}"/>
+              </a:ext>
+            </a:extLst>
+          </p:cNvPr>
+          <p:cNvSpPr>
+            <a:spLocks noGrp="1"/>
+          </p:cNvSpPr>
+          <p:nvPr>
+            <p:ph type="body" sz="quarter" idx="14"/>
+          </p:nvPr>
+        </p:nvSpPr>
+        <p:spPr/>
+        <p:txBody>
+          <a:bodyPr/>
+          <a:lstStyle/>
+          <a:p>
+            <a:r>
+              <a:rPr lang="ru-RU" dirty="0"/>
+              <a:t>Галлюцинации в </a:t>
+            </a:r>
+            <a:r>
+              <a:rPr lang="en-US" dirty="0"/>
+              <a:t>LLM, </a:t>
+            </a:r>
+            <a:r>
+              <a:rPr lang="ru-RU" dirty="0"/>
+              <a:t>их измерение и способы сокращения</a:t>
+            </a:r>
+          </a:p>
+        </p:txBody>
+      </p:sp>
+      <p:pic>
+        <p:nvPicPr>
+          <p:cNvPr id="2" name="Рисунок 1">
+            <a:extLst>
+              <a:ext uri="{FF2B5EF4-FFF2-40B4-BE49-F238E27FC236}">
+                <a16:creationId xmlns:a16="http://schemas.microsoft.com/office/drawing/2014/main" id="{041EEF22-CF5B-F226-D860-FE0A5D3808DF}"/>
+              </a:ext>
+            </a:extLst>
+          </p:cNvPr>
+          <p:cNvPicPr>
+            <a:picLocks noChangeAspect="1"/>
+          </p:cNvPicPr>
+          <p:nvPr/>
+        </p:nvPicPr>
+        <p:blipFill>
+          <a:blip r:embed="rId3"/>
+          <a:stretch>
+            <a:fillRect/>
+          </a:stretch>
+        </p:blipFill>
+        <p:spPr>
+          <a:xfrm>
+            <a:off x="8014966" y="2289704"/>
+            <a:ext cx="3810000" cy="3378200"/>
+          </a:xfrm>
+          <a:prstGeom prst="rect">
+            <a:avLst/>
+          </a:prstGeom>
+        </p:spPr>
+      </p:pic>
+      <p:pic>
+        <p:nvPicPr>
+          <p:cNvPr id="4" name="Рисунок 3">
+            <a:extLst>
+              <a:ext uri="{FF2B5EF4-FFF2-40B4-BE49-F238E27FC236}">
+                <a16:creationId xmlns:a16="http://schemas.microsoft.com/office/drawing/2014/main" id="{7EB3EA6D-0836-C9E4-09F2-36F01E50FE60}"/>
+              </a:ext>
+            </a:extLst>
+          </p:cNvPr>
+          <p:cNvPicPr>
+            <a:picLocks noChangeAspect="1"/>
+          </p:cNvPicPr>
+          <p:nvPr/>
+        </p:nvPicPr>
+        <p:blipFill>
+          <a:blip r:embed="rId4"/>
+          <a:stretch>
+            <a:fillRect/>
+          </a:stretch>
+        </p:blipFill>
+        <p:spPr>
+          <a:xfrm>
+            <a:off x="4179566" y="2289704"/>
+            <a:ext cx="3873500" cy="3378200"/>
+          </a:xfrm>
+          <a:prstGeom prst="rect">
+            <a:avLst/>
+          </a:prstGeom>
+        </p:spPr>
+      </p:pic>
+      <p:pic>
+        <p:nvPicPr>
+          <p:cNvPr id="6" name="Рисунок 5">
+            <a:extLst>
+              <a:ext uri="{FF2B5EF4-FFF2-40B4-BE49-F238E27FC236}">
+                <a16:creationId xmlns:a16="http://schemas.microsoft.com/office/drawing/2014/main" id="{60137149-0192-746F-3158-3BAE55809A41}"/>
+              </a:ext>
+            </a:extLst>
+          </p:cNvPr>
+          <p:cNvPicPr>
+            <a:picLocks noChangeAspect="1"/>
+          </p:cNvPicPr>
+          <p:nvPr/>
+        </p:nvPicPr>
+        <p:blipFill>
+          <a:blip r:embed="rId5"/>
+          <a:stretch>
+            <a:fillRect/>
+          </a:stretch>
+        </p:blipFill>
+        <p:spPr>
+          <a:xfrm>
+            <a:off x="344166" y="2289704"/>
+            <a:ext cx="3835400" cy="3378200"/>
+          </a:xfrm>
+          <a:prstGeom prst="rect">
+            <a:avLst/>
+          </a:prstGeom>
+        </p:spPr>
+      </p:pic>
+    </p:spTree>
+    <p:extLst>
+      <p:ext uri="{BB962C8B-B14F-4D97-AF65-F5344CB8AC3E}">
+        <p14:creationId xmlns:p14="http://schemas.microsoft.com/office/powerpoint/2010/main" val="2480170471"/>
+      </p:ext>
+    </p:extLst>
+  </p:cSld>
+  <p:clrMapOvr>
+    <a:masterClrMapping/>
+  </p:clrMapOvr>
+</p:sld>
+</file>
+
+<file path=ppt/slides/slide12.xml><?xml version="1.0" encoding="utf-8"?>
+<p:sld xmlns:a="http://schemas.openxmlformats.org/drawingml/2006/main" xmlns:r="http://schemas.openxmlformats.org/officeDocument/2006/relationships" xmlns:p="http://schemas.openxmlformats.org/presentationml/2006/main">
+  <p:cSld>
+    <p:spTree>
+      <p:nvGrpSpPr>
+        <p:cNvPr id="1" name=""/>
+        <p:cNvGrpSpPr/>
+        <p:nvPr/>
+      </p:nvGrpSpPr>
+      <p:grpSpPr>
+        <a:xfrm>
+          <a:off x="0" y="0"/>
+          <a:ext cx="0" cy="0"/>
+          <a:chOff x="0" y="0"/>
+          <a:chExt cx="0" cy="0"/>
+        </a:xfrm>
+      </p:grpSpPr>
+      <p:sp>
+        <p:nvSpPr>
+          <p:cNvPr id="2" name="Заголовок 1">
+            <a:extLst>
+              <a:ext uri="{FF2B5EF4-FFF2-40B4-BE49-F238E27FC236}">
+                <a16:creationId xmlns:a16="http://schemas.microsoft.com/office/drawing/2014/main" id="{8CD95C0D-D7DC-EF40-9E45-F5F0A4817CD2}"/>
+              </a:ext>
+            </a:extLst>
+          </p:cNvPr>
+          <p:cNvSpPr>
+            <a:spLocks noGrp="1"/>
+          </p:cNvSpPr>
+          <p:nvPr>
+            <p:ph type="title"/>
+          </p:nvPr>
+        </p:nvSpPr>
+        <p:spPr/>
+        <p:txBody>
+          <a:bodyPr/>
+          <a:lstStyle/>
+          <a:p>
+            <a:endParaRPr lang="ru-RU" dirty="0"/>
+          </a:p>
+        </p:txBody>
+      </p:sp>
+      <p:sp>
+        <p:nvSpPr>
+          <p:cNvPr id="3" name="Текст 2">
+            <a:extLst>
+              <a:ext uri="{FF2B5EF4-FFF2-40B4-BE49-F238E27FC236}">
+                <a16:creationId xmlns:a16="http://schemas.microsoft.com/office/drawing/2014/main" id="{2B85EA7E-BEC4-B745-B2A8-D4E4AFC614FC}"/>
+              </a:ext>
+            </a:extLst>
+          </p:cNvPr>
+          <p:cNvSpPr>
+            <a:spLocks noGrp="1"/>
+          </p:cNvSpPr>
+          <p:nvPr>
+            <p:ph type="body" sz="quarter" idx="10"/>
+          </p:nvPr>
+        </p:nvSpPr>
+        <p:spPr/>
+        <p:txBody>
+          <a:bodyPr/>
+          <a:lstStyle/>
+          <a:p>
+            <a:endParaRPr lang="ru-RU"/>
+          </a:p>
+        </p:txBody>
+      </p:sp>
+      <p:sp>
+        <p:nvSpPr>
+          <p:cNvPr id="4" name="Текст 3">
+            <a:extLst>
+              <a:ext uri="{FF2B5EF4-FFF2-40B4-BE49-F238E27FC236}">
+                <a16:creationId xmlns:a16="http://schemas.microsoft.com/office/drawing/2014/main" id="{DB8D49EC-434A-5443-AC3F-85F01995E632}"/>
+              </a:ext>
+            </a:extLst>
+          </p:cNvPr>
+          <p:cNvSpPr>
+            <a:spLocks noGrp="1"/>
+          </p:cNvSpPr>
+          <p:nvPr>
+            <p:ph type="body" sz="quarter" idx="11"/>
+          </p:nvPr>
+        </p:nvSpPr>
+        <p:spPr/>
+        <p:txBody>
+          <a:bodyPr/>
+          <a:lstStyle/>
+          <a:p>
+            <a:endParaRPr lang="ru-RU"/>
+          </a:p>
+        </p:txBody>
+      </p:sp>
+      <p:sp>
+        <p:nvSpPr>
+          <p:cNvPr id="5" name="Текст 4">
+            <a:extLst>
+              <a:ext uri="{FF2B5EF4-FFF2-40B4-BE49-F238E27FC236}">
+                <a16:creationId xmlns:a16="http://schemas.microsoft.com/office/drawing/2014/main" id="{C6FAE0FA-3CAF-BA4B-8F9F-5FEF3C2F3CC6}"/>
+              </a:ext>
+            </a:extLst>
+          </p:cNvPr>
+          <p:cNvSpPr>
+            <a:spLocks noGrp="1"/>
+          </p:cNvSpPr>
+          <p:nvPr>
+            <p:ph type="body" idx="12"/>
+          </p:nvPr>
+        </p:nvSpPr>
+        <p:spPr/>
+        <p:txBody>
+          <a:bodyPr/>
+          <a:lstStyle/>
+          <a:p>
+            <a:endParaRPr lang="ru-RU"/>
+          </a:p>
+        </p:txBody>
+      </p:sp>
+      <p:sp>
+        <p:nvSpPr>
+          <p:cNvPr id="6" name="Текст 5">
+            <a:extLst>
+              <a:ext uri="{FF2B5EF4-FFF2-40B4-BE49-F238E27FC236}">
+                <a16:creationId xmlns:a16="http://schemas.microsoft.com/office/drawing/2014/main" id="{44AFB2BF-A7AB-5648-ADCD-2A7F1BD35815}"/>
+              </a:ext>
+            </a:extLst>
+          </p:cNvPr>
+          <p:cNvSpPr>
+            <a:spLocks noGrp="1"/>
+          </p:cNvSpPr>
+          <p:nvPr>
+            <p:ph type="body" sz="quarter" idx="13"/>
+          </p:nvPr>
+        </p:nvSpPr>
+        <p:spPr/>
+        <p:txBody>
+          <a:bodyPr/>
+          <a:lstStyle/>
+          <a:p>
+            <a:endParaRPr lang="ru-RU"/>
+          </a:p>
+        </p:txBody>
+      </p:sp>
+    </p:spTree>
+    <p:extLst>
+      <p:ext uri="{BB962C8B-B14F-4D97-AF65-F5344CB8AC3E}">
+        <p14:creationId xmlns:p14="http://schemas.microsoft.com/office/powerpoint/2010/main" val="982325395"/>
+      </p:ext>
+    </p:extLst>
+  </p:cSld>
+  <p:clrMapOvr>
+    <a:masterClrMapping/>
+  </p:clrMapOvr>
+</p:sld>
+</file>
+
+<file path=ppt/slides/slide13.xml><?xml version="1.0" encoding="utf-8"?>
+<p:sld xmlns:a="http://schemas.openxmlformats.org/drawingml/2006/main" xmlns:r="http://schemas.openxmlformats.org/officeDocument/2006/relationships" xmlns:p="http://schemas.openxmlformats.org/presentationml/2006/main">
+  <p:cSld>
+    <p:spTree>
+      <p:nvGrpSpPr>
+        <p:cNvPr id="1" name=""/>
+        <p:cNvGrpSpPr/>
+        <p:nvPr/>
+      </p:nvGrpSpPr>
+      <p:grpSpPr>
+        <a:xfrm>
+          <a:off x="0" y="0"/>
+          <a:ext cx="0" cy="0"/>
+          <a:chOff x="0" y="0"/>
+          <a:chExt cx="0" cy="0"/>
+        </a:xfrm>
+      </p:grpSpPr>
+      <p:sp>
+        <p:nvSpPr>
+          <p:cNvPr id="3" name="Заголовок 2">
+            <a:extLst>
+              <a:ext uri="{FF2B5EF4-FFF2-40B4-BE49-F238E27FC236}">
+                <a16:creationId xmlns:a16="http://schemas.microsoft.com/office/drawing/2014/main" id="{E2EAF03B-EC26-1D47-94AC-C75942861D6C}"/>
+              </a:ext>
+            </a:extLst>
+          </p:cNvPr>
+          <p:cNvSpPr>
+            <a:spLocks noGrp="1"/>
+          </p:cNvSpPr>
+          <p:nvPr>
+            <p:ph type="title"/>
+          </p:nvPr>
+        </p:nvSpPr>
+        <p:spPr/>
+        <p:txBody>
+          <a:bodyPr>
+            <a:normAutofit/>
+          </a:bodyPr>
+          <a:lstStyle/>
+          <a:p>
+            <a:r>
+              <a:rPr lang="ru-RU" dirty="0"/>
               <a:t>План работы</a:t>
             </a:r>
             <a:r>
@@ -21343,162 +22076,7 @@
 </p:sld>
 </file>
 
-<file path=ppt/slides/slide11.xml><?xml version="1.0" encoding="utf-8"?>
-<p:sld xmlns:a="http://schemas.openxmlformats.org/drawingml/2006/main" xmlns:r="http://schemas.openxmlformats.org/officeDocument/2006/relationships" xmlns:p="http://schemas.openxmlformats.org/presentationml/2006/main">
-  <p:cSld>
-    <p:spTree>
-      <p:nvGrpSpPr>
-        <p:cNvPr id="1" name=""/>
-        <p:cNvGrpSpPr/>
-        <p:nvPr/>
-      </p:nvGrpSpPr>
-      <p:grpSpPr>
-        <a:xfrm>
-          <a:off x="0" y="0"/>
-          <a:ext cx="0" cy="0"/>
-          <a:chOff x="0" y="0"/>
-          <a:chExt cx="0" cy="0"/>
-        </a:xfrm>
-      </p:grpSpPr>
-      <p:sp>
-        <p:nvSpPr>
-          <p:cNvPr id="2" name="Заголовок 1">
-            <a:extLst>
-              <a:ext uri="{FF2B5EF4-FFF2-40B4-BE49-F238E27FC236}">
-                <a16:creationId xmlns:a16="http://schemas.microsoft.com/office/drawing/2014/main" id="{8CD95C0D-D7DC-EF40-9E45-F5F0A4817CD2}"/>
-              </a:ext>
-            </a:extLst>
-          </p:cNvPr>
-          <p:cNvSpPr>
-            <a:spLocks noGrp="1"/>
-          </p:cNvSpPr>
-          <p:nvPr>
-            <p:ph type="title"/>
-          </p:nvPr>
-        </p:nvSpPr>
-        <p:spPr/>
-        <p:txBody>
-          <a:bodyPr/>
-          <a:lstStyle/>
-          <a:p>
-            <a:endParaRPr lang="ru-RU"/>
-          </a:p>
-        </p:txBody>
-      </p:sp>
-      <p:sp>
-        <p:nvSpPr>
-          <p:cNvPr id="3" name="Текст 2">
-            <a:extLst>
-              <a:ext uri="{FF2B5EF4-FFF2-40B4-BE49-F238E27FC236}">
-                <a16:creationId xmlns:a16="http://schemas.microsoft.com/office/drawing/2014/main" id="{2B85EA7E-BEC4-B745-B2A8-D4E4AFC614FC}"/>
-              </a:ext>
-            </a:extLst>
-          </p:cNvPr>
-          <p:cNvSpPr>
-            <a:spLocks noGrp="1"/>
-          </p:cNvSpPr>
-          <p:nvPr>
-            <p:ph type="body" sz="quarter" idx="10"/>
-          </p:nvPr>
-        </p:nvSpPr>
-        <p:spPr/>
-        <p:txBody>
-          <a:bodyPr/>
-          <a:lstStyle/>
-          <a:p>
-            <a:endParaRPr lang="ru-RU"/>
-          </a:p>
-        </p:txBody>
-      </p:sp>
-      <p:sp>
-        <p:nvSpPr>
-          <p:cNvPr id="4" name="Текст 3">
-            <a:extLst>
-              <a:ext uri="{FF2B5EF4-FFF2-40B4-BE49-F238E27FC236}">
-                <a16:creationId xmlns:a16="http://schemas.microsoft.com/office/drawing/2014/main" id="{DB8D49EC-434A-5443-AC3F-85F01995E632}"/>
-              </a:ext>
-            </a:extLst>
-          </p:cNvPr>
-          <p:cNvSpPr>
-            <a:spLocks noGrp="1"/>
-          </p:cNvSpPr>
-          <p:nvPr>
-            <p:ph type="body" sz="quarter" idx="11"/>
-          </p:nvPr>
-        </p:nvSpPr>
-        <p:spPr/>
-        <p:txBody>
-          <a:bodyPr/>
-          <a:lstStyle/>
-          <a:p>
-            <a:endParaRPr lang="ru-RU"/>
-          </a:p>
-        </p:txBody>
-      </p:sp>
-      <p:sp>
-        <p:nvSpPr>
-          <p:cNvPr id="5" name="Текст 4">
-            <a:extLst>
-              <a:ext uri="{FF2B5EF4-FFF2-40B4-BE49-F238E27FC236}">
-                <a16:creationId xmlns:a16="http://schemas.microsoft.com/office/drawing/2014/main" id="{C6FAE0FA-3CAF-BA4B-8F9F-5FEF3C2F3CC6}"/>
-              </a:ext>
-            </a:extLst>
-          </p:cNvPr>
-          <p:cNvSpPr>
-            <a:spLocks noGrp="1"/>
-          </p:cNvSpPr>
-          <p:nvPr>
-            <p:ph type="body" idx="12"/>
-          </p:nvPr>
-        </p:nvSpPr>
-        <p:spPr/>
-        <p:txBody>
-          <a:bodyPr/>
-          <a:lstStyle/>
-          <a:p>
-            <a:endParaRPr lang="ru-RU"/>
-          </a:p>
-        </p:txBody>
-      </p:sp>
-      <p:sp>
-        <p:nvSpPr>
-          <p:cNvPr id="6" name="Текст 5">
-            <a:extLst>
-              <a:ext uri="{FF2B5EF4-FFF2-40B4-BE49-F238E27FC236}">
-                <a16:creationId xmlns:a16="http://schemas.microsoft.com/office/drawing/2014/main" id="{44AFB2BF-A7AB-5648-ADCD-2A7F1BD35815}"/>
-              </a:ext>
-            </a:extLst>
-          </p:cNvPr>
-          <p:cNvSpPr>
-            <a:spLocks noGrp="1"/>
-          </p:cNvSpPr>
-          <p:nvPr>
-            <p:ph type="body" sz="quarter" idx="13"/>
-          </p:nvPr>
-        </p:nvSpPr>
-        <p:spPr/>
-        <p:txBody>
-          <a:bodyPr/>
-          <a:lstStyle/>
-          <a:p>
-            <a:endParaRPr lang="ru-RU"/>
-          </a:p>
-        </p:txBody>
-      </p:sp>
-    </p:spTree>
-    <p:extLst>
-      <p:ext uri="{BB962C8B-B14F-4D97-AF65-F5344CB8AC3E}">
-        <p14:creationId xmlns:p14="http://schemas.microsoft.com/office/powerpoint/2010/main" val="982325395"/>
-      </p:ext>
-    </p:extLst>
-  </p:cSld>
-  <p:clrMapOvr>
-    <a:masterClrMapping/>
-  </p:clrMapOvr>
-</p:sld>
-</file>
-
-<file path=ppt/slides/slide12.xml><?xml version="1.0" encoding="utf-8"?>
+<file path=ppt/slides/slide14.xml><?xml version="1.0" encoding="utf-8"?>
 <p:sld xmlns:a="http://schemas.openxmlformats.org/drawingml/2006/main" xmlns:r="http://schemas.openxmlformats.org/officeDocument/2006/relationships" xmlns:p="http://schemas.openxmlformats.org/presentationml/2006/main">
   <p:cSld>
     <p:spTree>
@@ -21671,7 +22249,7 @@
 </p:sld>
 </file>
 
-<file path=ppt/slides/slide13.xml><?xml version="1.0" encoding="utf-8"?>
+<file path=ppt/slides/slide15.xml><?xml version="1.0" encoding="utf-8"?>
 <p:sld xmlns:a="http://schemas.openxmlformats.org/drawingml/2006/main" xmlns:r="http://schemas.openxmlformats.org/officeDocument/2006/relationships" xmlns:p="http://schemas.openxmlformats.org/presentationml/2006/main">
   <p:cSld>
     <p:spTree>
@@ -21826,7 +22404,7 @@
 </p:sld>
 </file>
 
-<file path=ppt/slides/slide14.xml><?xml version="1.0" encoding="utf-8"?>
+<file path=ppt/slides/slide16.xml><?xml version="1.0" encoding="utf-8"?>
 <p:sld xmlns:a="http://schemas.openxmlformats.org/drawingml/2006/main" xmlns:r="http://schemas.openxmlformats.org/officeDocument/2006/relationships" xmlns:p="http://schemas.openxmlformats.org/presentationml/2006/main">
   <p:cSld>
     <p:spTree>
@@ -22036,7 +22614,7 @@
 </p:sld>
 </file>
 
-<file path=ppt/slides/slide15.xml><?xml version="1.0" encoding="utf-8"?>
+<file path=ppt/slides/slide17.xml><?xml version="1.0" encoding="utf-8"?>
 <p:sld xmlns:a="http://schemas.openxmlformats.org/drawingml/2006/main" xmlns:r="http://schemas.openxmlformats.org/officeDocument/2006/relationships" xmlns:p="http://schemas.openxmlformats.org/presentationml/2006/main">
   <p:cSld>
     <p:spTree>
@@ -22249,7 +22827,7 @@
 </p:sld>
 </file>
 
-<file path=ppt/slides/slide16.xml><?xml version="1.0" encoding="utf-8"?>
+<file path=ppt/slides/slide18.xml><?xml version="1.0" encoding="utf-8"?>
 <p:sld xmlns:a="http://schemas.openxmlformats.org/drawingml/2006/main" xmlns:r="http://schemas.openxmlformats.org/officeDocument/2006/relationships" xmlns:p="http://schemas.openxmlformats.org/presentationml/2006/main">
   <p:cSld>
     <p:spTree>
@@ -22457,7 +23035,7 @@
 </p:sld>
 </file>
 
-<file path=ppt/slides/slide17.xml><?xml version="1.0" encoding="utf-8"?>
+<file path=ppt/slides/slide19.xml><?xml version="1.0" encoding="utf-8"?>
 <p:sld xmlns:a="http://schemas.openxmlformats.org/drawingml/2006/main" xmlns:r="http://schemas.openxmlformats.org/officeDocument/2006/relationships" xmlns:p="http://schemas.openxmlformats.org/presentationml/2006/main">
   <p:cSld>
     <p:spTree>
@@ -22665,7 +23243,316 @@
 </p:sld>
 </file>
 
-<file path=ppt/slides/slide18.xml><?xml version="1.0" encoding="utf-8"?>
+<file path=ppt/slides/slide2.xml><?xml version="1.0" encoding="utf-8"?>
+<p:sld xmlns:a="http://schemas.openxmlformats.org/drawingml/2006/main" xmlns:r="http://schemas.openxmlformats.org/officeDocument/2006/relationships" xmlns:p="http://schemas.openxmlformats.org/presentationml/2006/main">
+  <p:cSld>
+    <p:spTree>
+      <p:nvGrpSpPr>
+        <p:cNvPr id="1" name=""/>
+        <p:cNvGrpSpPr/>
+        <p:nvPr/>
+      </p:nvGrpSpPr>
+      <p:grpSpPr>
+        <a:xfrm>
+          <a:off x="0" y="0"/>
+          <a:ext cx="0" cy="0"/>
+          <a:chOff x="0" y="0"/>
+          <a:chExt cx="0" cy="0"/>
+        </a:xfrm>
+      </p:grpSpPr>
+      <p:sp>
+        <p:nvSpPr>
+          <p:cNvPr id="3" name="Заголовок 2">
+            <a:extLst>
+              <a:ext uri="{FF2B5EF4-FFF2-40B4-BE49-F238E27FC236}">
+                <a16:creationId xmlns:a16="http://schemas.microsoft.com/office/drawing/2014/main" id="{E2EAF03B-EC26-1D47-94AC-C75942861D6C}"/>
+              </a:ext>
+            </a:extLst>
+          </p:cNvPr>
+          <p:cNvSpPr>
+            <a:spLocks noGrp="1"/>
+          </p:cNvSpPr>
+          <p:nvPr>
+            <p:ph type="title"/>
+          </p:nvPr>
+        </p:nvSpPr>
+        <p:spPr/>
+        <p:txBody>
+          <a:bodyPr>
+            <a:normAutofit fontScale="90000"/>
+          </a:bodyPr>
+          <a:lstStyle/>
+          <a:p>
+            <a:r>
+              <a:rPr lang="en" dirty="0"/>
+              <a:t>Siren’s Song in the AI Ocean: A Survey on Hallucination in Large Language Models</a:t>
+            </a:r>
+            <a:r>
+              <a:rPr lang="en-US" dirty="0"/>
+              <a:t>*</a:t>
+            </a:r>
+            <a:endParaRPr lang="ru-RU" dirty="0"/>
+          </a:p>
+        </p:txBody>
+      </p:sp>
+      <p:pic>
+        <p:nvPicPr>
+          <p:cNvPr id="9" name="Рисунок 8">
+            <a:extLst>
+              <a:ext uri="{FF2B5EF4-FFF2-40B4-BE49-F238E27FC236}">
+                <a16:creationId xmlns:a16="http://schemas.microsoft.com/office/drawing/2014/main" id="{7C248A2E-13EC-3634-D90B-5BFBA35C897B}"/>
+              </a:ext>
+            </a:extLst>
+          </p:cNvPr>
+          <p:cNvPicPr>
+            <a:picLocks noChangeAspect="1"/>
+          </p:cNvPicPr>
+          <p:nvPr/>
+        </p:nvPicPr>
+        <p:blipFill>
+          <a:blip r:embed="rId2"/>
+          <a:stretch>
+            <a:fillRect/>
+          </a:stretch>
+        </p:blipFill>
+        <p:spPr>
+          <a:xfrm>
+            <a:off x="6962999" y="1243352"/>
+            <a:ext cx="3768474" cy="5227238"/>
+          </a:xfrm>
+          <a:prstGeom prst="rect">
+            <a:avLst/>
+          </a:prstGeom>
+        </p:spPr>
+      </p:pic>
+      <p:sp>
+        <p:nvSpPr>
+          <p:cNvPr id="4" name="Текст 3">
+            <a:extLst>
+              <a:ext uri="{FF2B5EF4-FFF2-40B4-BE49-F238E27FC236}">
+                <a16:creationId xmlns:a16="http://schemas.microsoft.com/office/drawing/2014/main" id="{53356540-7218-FF4B-B6BC-5BD291A372E2}"/>
+              </a:ext>
+            </a:extLst>
+          </p:cNvPr>
+          <p:cNvSpPr>
+            <a:spLocks noGrp="1"/>
+          </p:cNvSpPr>
+          <p:nvPr>
+            <p:ph type="body" sz="quarter" idx="12"/>
+          </p:nvPr>
+        </p:nvSpPr>
+        <p:spPr>
+          <a:xfrm>
+            <a:off x="585897" y="2870421"/>
+            <a:ext cx="5245561" cy="2902476"/>
+          </a:xfrm>
+        </p:spPr>
+        <p:txBody>
+          <a:bodyPr/>
+          <a:lstStyle/>
+          <a:p>
+            <a:pPr marL="285750" indent="-285750">
+              <a:buFont typeface="Arial" panose="020B0604020202020204" pitchFamily="34" charset="0"/>
+              <a:buChar char="•"/>
+            </a:pPr>
+            <a:r>
+              <a:rPr lang="ru-RU" dirty="0"/>
+              <a:t>Исследователи выявили 3 вида галлюцинаций</a:t>
+            </a:r>
+            <a:r>
+              <a:rPr lang="en-US" dirty="0"/>
+              <a:t>:</a:t>
+            </a:r>
+          </a:p>
+          <a:p>
+            <a:pPr marL="742950" lvl="1" indent="-285750">
+              <a:buFont typeface="Arial" panose="020B0604020202020204" pitchFamily="34" charset="0"/>
+              <a:buChar char="•"/>
+            </a:pPr>
+            <a:r>
+              <a:rPr lang="ru-RU" dirty="0"/>
+              <a:t>Ответ на вопрос, отличный от задаваемого</a:t>
+            </a:r>
+          </a:p>
+          <a:p>
+            <a:pPr marL="742950" lvl="1" indent="-285750">
+              <a:buFont typeface="Arial" panose="020B0604020202020204" pitchFamily="34" charset="0"/>
+              <a:buChar char="•"/>
+            </a:pPr>
+            <a:r>
+              <a:rPr lang="ru-RU" dirty="0"/>
+              <a:t>Слова / предложения берущиеся из неоткуда, и не связанные с контекстом</a:t>
+            </a:r>
+          </a:p>
+          <a:p>
+            <a:pPr marL="742950" lvl="1" indent="-285750">
+              <a:buFont typeface="Arial" panose="020B0604020202020204" pitchFamily="34" charset="0"/>
+              <a:buChar char="•"/>
+            </a:pPr>
+            <a:r>
+              <a:rPr lang="ru-RU" dirty="0"/>
+              <a:t>Генерация ложных фактов</a:t>
+            </a:r>
+          </a:p>
+        </p:txBody>
+      </p:sp>
+      <p:sp>
+        <p:nvSpPr>
+          <p:cNvPr id="5" name="Текст 4">
+            <a:extLst>
+              <a:ext uri="{FF2B5EF4-FFF2-40B4-BE49-F238E27FC236}">
+                <a16:creationId xmlns:a16="http://schemas.microsoft.com/office/drawing/2014/main" id="{3EB29DC1-D5D4-FB41-9E2D-AA4750D0CC8B}"/>
+              </a:ext>
+            </a:extLst>
+          </p:cNvPr>
+          <p:cNvSpPr>
+            <a:spLocks noGrp="1"/>
+          </p:cNvSpPr>
+          <p:nvPr>
+            <p:ph type="body" sz="quarter" idx="13"/>
+          </p:nvPr>
+        </p:nvSpPr>
+        <p:spPr>
+          <a:xfrm>
+            <a:off x="1143689" y="540904"/>
+            <a:ext cx="2070100" cy="544199"/>
+          </a:xfrm>
+        </p:spPr>
+        <p:txBody>
+          <a:bodyPr/>
+          <a:lstStyle/>
+          <a:p>
+            <a:r>
+              <a:rPr lang="ru-RU" dirty="0"/>
+              <a:t>Научно-исследовательский семинар "Методы интеллектуального анализа данных"</a:t>
+            </a:r>
+          </a:p>
+        </p:txBody>
+      </p:sp>
+      <p:sp>
+        <p:nvSpPr>
+          <p:cNvPr id="8" name="Текст 2">
+            <a:extLst>
+              <a:ext uri="{FF2B5EF4-FFF2-40B4-BE49-F238E27FC236}">
+                <a16:creationId xmlns:a16="http://schemas.microsoft.com/office/drawing/2014/main" id="{95934151-0B45-7853-D5DC-F57F89966FDE}"/>
+              </a:ext>
+            </a:extLst>
+          </p:cNvPr>
+          <p:cNvSpPr>
+            <a:spLocks noGrp="1"/>
+          </p:cNvSpPr>
+          <p:nvPr>
+            <p:ph type="body" sz="quarter" idx="14"/>
+          </p:nvPr>
+        </p:nvSpPr>
+        <p:spPr/>
+        <p:txBody>
+          <a:bodyPr/>
+          <a:lstStyle/>
+          <a:p>
+            <a:r>
+              <a:rPr lang="ru-RU" dirty="0"/>
+              <a:t>Галлюцинации в </a:t>
+            </a:r>
+            <a:r>
+              <a:rPr lang="en-US" dirty="0"/>
+              <a:t>LLM, </a:t>
+            </a:r>
+            <a:r>
+              <a:rPr lang="ru-RU" dirty="0"/>
+              <a:t>их измерение и способы сокращения</a:t>
+            </a:r>
+          </a:p>
+        </p:txBody>
+      </p:sp>
+      <p:sp>
+        <p:nvSpPr>
+          <p:cNvPr id="11" name="TextBox 10">
+            <a:extLst>
+              <a:ext uri="{FF2B5EF4-FFF2-40B4-BE49-F238E27FC236}">
+                <a16:creationId xmlns:a16="http://schemas.microsoft.com/office/drawing/2014/main" id="{3E49FB9A-859D-C8E5-9197-819B7C2482B2}"/>
+              </a:ext>
+            </a:extLst>
+          </p:cNvPr>
+          <p:cNvSpPr txBox="1"/>
+          <p:nvPr/>
+        </p:nvSpPr>
+        <p:spPr>
+          <a:xfrm>
+            <a:off x="585897" y="6132430"/>
+            <a:ext cx="6098650" cy="369332"/>
+          </a:xfrm>
+          <a:prstGeom prst="rect">
+            <a:avLst/>
+          </a:prstGeom>
+          <a:noFill/>
+        </p:spPr>
+        <p:txBody>
+          <a:bodyPr wrap="square">
+            <a:spAutoFit/>
+          </a:bodyPr>
+          <a:lstStyle/>
+          <a:p>
+            <a:r>
+              <a:rPr lang="en-US" dirty="0"/>
+              <a:t>(*) https://</a:t>
+            </a:r>
+            <a:r>
+              <a:rPr lang="en-US" dirty="0" err="1"/>
+              <a:t>arxiv.org</a:t>
+            </a:r>
+            <a:r>
+              <a:rPr lang="en-US" dirty="0"/>
+              <a:t>/pdf/2309.01219.pdf</a:t>
+            </a:r>
+            <a:endParaRPr lang="ru-RU" dirty="0"/>
+          </a:p>
+        </p:txBody>
+      </p:sp>
+      <p:pic>
+        <p:nvPicPr>
+          <p:cNvPr id="12" name="Рисунок 11">
+            <a:extLst>
+              <a:ext uri="{FF2B5EF4-FFF2-40B4-BE49-F238E27FC236}">
+                <a16:creationId xmlns:a16="http://schemas.microsoft.com/office/drawing/2014/main" id="{54D81C49-805D-97C2-E835-005896E809E1}"/>
+              </a:ext>
+            </a:extLst>
+          </p:cNvPr>
+          <p:cNvPicPr>
+            <a:picLocks noChangeAspect="1"/>
+          </p:cNvPicPr>
+          <p:nvPr/>
+        </p:nvPicPr>
+        <p:blipFill>
+          <a:blip r:embed="rId3"/>
+          <a:stretch>
+            <a:fillRect/>
+          </a:stretch>
+        </p:blipFill>
+        <p:spPr>
+          <a:xfrm>
+            <a:off x="6962999" y="1243352"/>
+            <a:ext cx="4611610" cy="5227238"/>
+          </a:xfrm>
+          <a:prstGeom prst="rect">
+            <a:avLst/>
+          </a:prstGeom>
+        </p:spPr>
+      </p:pic>
+    </p:spTree>
+    <p:extLst>
+      <p:ext uri="{BB962C8B-B14F-4D97-AF65-F5344CB8AC3E}">
+        <p14:creationId xmlns:p14="http://schemas.microsoft.com/office/powerpoint/2010/main" val="2284913163"/>
+      </p:ext>
+    </p:extLst>
+  </p:cSld>
+  <p:clrMapOvr>
+    <a:masterClrMapping/>
+  </p:clrMapOvr>
+</p:sld>
+</file>
+
+<file path=ppt/slides/slide20.xml><?xml version="1.0" encoding="utf-8"?>
 <p:sld xmlns:a="http://schemas.openxmlformats.org/drawingml/2006/main" xmlns:r="http://schemas.openxmlformats.org/officeDocument/2006/relationships" xmlns:p="http://schemas.openxmlformats.org/presentationml/2006/main">
   <p:cSld>
     <p:spTree>
@@ -22945,7 +23832,7 @@
 </p:sld>
 </file>
 
-<file path=ppt/slides/slide19.xml><?xml version="1.0" encoding="utf-8"?>
+<file path=ppt/slides/slide21.xml><?xml version="1.0" encoding="utf-8"?>
 <p:sld xmlns:a="http://schemas.openxmlformats.org/drawingml/2006/main" xmlns:r="http://schemas.openxmlformats.org/officeDocument/2006/relationships" xmlns:p="http://schemas.openxmlformats.org/presentationml/2006/main">
   <p:cSld>
     <p:spTree>
@@ -26333,316 +27220,7 @@
 </p:sld>
 </file>
 
-<file path=ppt/slides/slide2.xml><?xml version="1.0" encoding="utf-8"?>
-<p:sld xmlns:a="http://schemas.openxmlformats.org/drawingml/2006/main" xmlns:r="http://schemas.openxmlformats.org/officeDocument/2006/relationships" xmlns:p="http://schemas.openxmlformats.org/presentationml/2006/main">
-  <p:cSld>
-    <p:spTree>
-      <p:nvGrpSpPr>
-        <p:cNvPr id="1" name=""/>
-        <p:cNvGrpSpPr/>
-        <p:nvPr/>
-      </p:nvGrpSpPr>
-      <p:grpSpPr>
-        <a:xfrm>
-          <a:off x="0" y="0"/>
-          <a:ext cx="0" cy="0"/>
-          <a:chOff x="0" y="0"/>
-          <a:chExt cx="0" cy="0"/>
-        </a:xfrm>
-      </p:grpSpPr>
-      <p:sp>
-        <p:nvSpPr>
-          <p:cNvPr id="3" name="Заголовок 2">
-            <a:extLst>
-              <a:ext uri="{FF2B5EF4-FFF2-40B4-BE49-F238E27FC236}">
-                <a16:creationId xmlns:a16="http://schemas.microsoft.com/office/drawing/2014/main" id="{E2EAF03B-EC26-1D47-94AC-C75942861D6C}"/>
-              </a:ext>
-            </a:extLst>
-          </p:cNvPr>
-          <p:cNvSpPr>
-            <a:spLocks noGrp="1"/>
-          </p:cNvSpPr>
-          <p:nvPr>
-            <p:ph type="title"/>
-          </p:nvPr>
-        </p:nvSpPr>
-        <p:spPr/>
-        <p:txBody>
-          <a:bodyPr>
-            <a:normAutofit fontScale="90000"/>
-          </a:bodyPr>
-          <a:lstStyle/>
-          <a:p>
-            <a:r>
-              <a:rPr lang="en" dirty="0"/>
-              <a:t>Siren’s Song in the AI Ocean: A Survey on Hallucination in Large Language Models</a:t>
-            </a:r>
-            <a:r>
-              <a:rPr lang="en-US" dirty="0"/>
-              <a:t>*</a:t>
-            </a:r>
-            <a:endParaRPr lang="ru-RU" dirty="0"/>
-          </a:p>
-        </p:txBody>
-      </p:sp>
-      <p:pic>
-        <p:nvPicPr>
-          <p:cNvPr id="9" name="Рисунок 8">
-            <a:extLst>
-              <a:ext uri="{FF2B5EF4-FFF2-40B4-BE49-F238E27FC236}">
-                <a16:creationId xmlns:a16="http://schemas.microsoft.com/office/drawing/2014/main" id="{7C248A2E-13EC-3634-D90B-5BFBA35C897B}"/>
-              </a:ext>
-            </a:extLst>
-          </p:cNvPr>
-          <p:cNvPicPr>
-            <a:picLocks noChangeAspect="1"/>
-          </p:cNvPicPr>
-          <p:nvPr/>
-        </p:nvPicPr>
-        <p:blipFill>
-          <a:blip r:embed="rId2"/>
-          <a:stretch>
-            <a:fillRect/>
-          </a:stretch>
-        </p:blipFill>
-        <p:spPr>
-          <a:xfrm>
-            <a:off x="6962999" y="1243352"/>
-            <a:ext cx="3768474" cy="5227238"/>
-          </a:xfrm>
-          <a:prstGeom prst="rect">
-            <a:avLst/>
-          </a:prstGeom>
-        </p:spPr>
-      </p:pic>
-      <p:sp>
-        <p:nvSpPr>
-          <p:cNvPr id="4" name="Текст 3">
-            <a:extLst>
-              <a:ext uri="{FF2B5EF4-FFF2-40B4-BE49-F238E27FC236}">
-                <a16:creationId xmlns:a16="http://schemas.microsoft.com/office/drawing/2014/main" id="{53356540-7218-FF4B-B6BC-5BD291A372E2}"/>
-              </a:ext>
-            </a:extLst>
-          </p:cNvPr>
-          <p:cNvSpPr>
-            <a:spLocks noGrp="1"/>
-          </p:cNvSpPr>
-          <p:nvPr>
-            <p:ph type="body" sz="quarter" idx="12"/>
-          </p:nvPr>
-        </p:nvSpPr>
-        <p:spPr>
-          <a:xfrm>
-            <a:off x="585897" y="2870421"/>
-            <a:ext cx="5245561" cy="2902476"/>
-          </a:xfrm>
-        </p:spPr>
-        <p:txBody>
-          <a:bodyPr/>
-          <a:lstStyle/>
-          <a:p>
-            <a:pPr marL="285750" indent="-285750">
-              <a:buFont typeface="Arial" panose="020B0604020202020204" pitchFamily="34" charset="0"/>
-              <a:buChar char="•"/>
-            </a:pPr>
-            <a:r>
-              <a:rPr lang="ru-RU" dirty="0"/>
-              <a:t>Исследователи выявили 3 вида галлюцинаций</a:t>
-            </a:r>
-            <a:r>
-              <a:rPr lang="en-US" dirty="0"/>
-              <a:t>:</a:t>
-            </a:r>
-          </a:p>
-          <a:p>
-            <a:pPr marL="742950" lvl="1" indent="-285750">
-              <a:buFont typeface="Arial" panose="020B0604020202020204" pitchFamily="34" charset="0"/>
-              <a:buChar char="•"/>
-            </a:pPr>
-            <a:r>
-              <a:rPr lang="ru-RU" dirty="0"/>
-              <a:t>Ответ на вопрос, отличный от задаваемого</a:t>
-            </a:r>
-          </a:p>
-          <a:p>
-            <a:pPr marL="742950" lvl="1" indent="-285750">
-              <a:buFont typeface="Arial" panose="020B0604020202020204" pitchFamily="34" charset="0"/>
-              <a:buChar char="•"/>
-            </a:pPr>
-            <a:r>
-              <a:rPr lang="ru-RU" dirty="0"/>
-              <a:t>Слова / предложения берущиеся из неоткуда, и не связанные с контекстом</a:t>
-            </a:r>
-          </a:p>
-          <a:p>
-            <a:pPr marL="742950" lvl="1" indent="-285750">
-              <a:buFont typeface="Arial" panose="020B0604020202020204" pitchFamily="34" charset="0"/>
-              <a:buChar char="•"/>
-            </a:pPr>
-            <a:r>
-              <a:rPr lang="ru-RU" dirty="0"/>
-              <a:t>Генерация ложных фактов</a:t>
-            </a:r>
-          </a:p>
-        </p:txBody>
-      </p:sp>
-      <p:sp>
-        <p:nvSpPr>
-          <p:cNvPr id="5" name="Текст 4">
-            <a:extLst>
-              <a:ext uri="{FF2B5EF4-FFF2-40B4-BE49-F238E27FC236}">
-                <a16:creationId xmlns:a16="http://schemas.microsoft.com/office/drawing/2014/main" id="{3EB29DC1-D5D4-FB41-9E2D-AA4750D0CC8B}"/>
-              </a:ext>
-            </a:extLst>
-          </p:cNvPr>
-          <p:cNvSpPr>
-            <a:spLocks noGrp="1"/>
-          </p:cNvSpPr>
-          <p:nvPr>
-            <p:ph type="body" sz="quarter" idx="13"/>
-          </p:nvPr>
-        </p:nvSpPr>
-        <p:spPr>
-          <a:xfrm>
-            <a:off x="1143689" y="540904"/>
-            <a:ext cx="2070100" cy="544199"/>
-          </a:xfrm>
-        </p:spPr>
-        <p:txBody>
-          <a:bodyPr/>
-          <a:lstStyle/>
-          <a:p>
-            <a:r>
-              <a:rPr lang="ru-RU" dirty="0"/>
-              <a:t>Научно-исследовательский семинар "Методы интеллектуального анализа данных"</a:t>
-            </a:r>
-          </a:p>
-        </p:txBody>
-      </p:sp>
-      <p:sp>
-        <p:nvSpPr>
-          <p:cNvPr id="8" name="Текст 2">
-            <a:extLst>
-              <a:ext uri="{FF2B5EF4-FFF2-40B4-BE49-F238E27FC236}">
-                <a16:creationId xmlns:a16="http://schemas.microsoft.com/office/drawing/2014/main" id="{95934151-0B45-7853-D5DC-F57F89966FDE}"/>
-              </a:ext>
-            </a:extLst>
-          </p:cNvPr>
-          <p:cNvSpPr>
-            <a:spLocks noGrp="1"/>
-          </p:cNvSpPr>
-          <p:nvPr>
-            <p:ph type="body" sz="quarter" idx="14"/>
-          </p:nvPr>
-        </p:nvSpPr>
-        <p:spPr/>
-        <p:txBody>
-          <a:bodyPr/>
-          <a:lstStyle/>
-          <a:p>
-            <a:r>
-              <a:rPr lang="ru-RU" dirty="0"/>
-              <a:t>Галлюцинации в </a:t>
-            </a:r>
-            <a:r>
-              <a:rPr lang="en-US" dirty="0"/>
-              <a:t>LLM, </a:t>
-            </a:r>
-            <a:r>
-              <a:rPr lang="ru-RU" dirty="0"/>
-              <a:t>их измерение и способы сокращения</a:t>
-            </a:r>
-          </a:p>
-        </p:txBody>
-      </p:sp>
-      <p:sp>
-        <p:nvSpPr>
-          <p:cNvPr id="11" name="TextBox 10">
-            <a:extLst>
-              <a:ext uri="{FF2B5EF4-FFF2-40B4-BE49-F238E27FC236}">
-                <a16:creationId xmlns:a16="http://schemas.microsoft.com/office/drawing/2014/main" id="{3E49FB9A-859D-C8E5-9197-819B7C2482B2}"/>
-              </a:ext>
-            </a:extLst>
-          </p:cNvPr>
-          <p:cNvSpPr txBox="1"/>
-          <p:nvPr/>
-        </p:nvSpPr>
-        <p:spPr>
-          <a:xfrm>
-            <a:off x="585897" y="6132430"/>
-            <a:ext cx="6098650" cy="369332"/>
-          </a:xfrm>
-          <a:prstGeom prst="rect">
-            <a:avLst/>
-          </a:prstGeom>
-          <a:noFill/>
-        </p:spPr>
-        <p:txBody>
-          <a:bodyPr wrap="square">
-            <a:spAutoFit/>
-          </a:bodyPr>
-          <a:lstStyle/>
-          <a:p>
-            <a:r>
-              <a:rPr lang="en-US" dirty="0"/>
-              <a:t>(*) https://</a:t>
-            </a:r>
-            <a:r>
-              <a:rPr lang="en-US" dirty="0" err="1"/>
-              <a:t>arxiv.org</a:t>
-            </a:r>
-            <a:r>
-              <a:rPr lang="en-US" dirty="0"/>
-              <a:t>/pdf/2309.01219.pdf</a:t>
-            </a:r>
-            <a:endParaRPr lang="ru-RU" dirty="0"/>
-          </a:p>
-        </p:txBody>
-      </p:sp>
-      <p:pic>
-        <p:nvPicPr>
-          <p:cNvPr id="12" name="Рисунок 11">
-            <a:extLst>
-              <a:ext uri="{FF2B5EF4-FFF2-40B4-BE49-F238E27FC236}">
-                <a16:creationId xmlns:a16="http://schemas.microsoft.com/office/drawing/2014/main" id="{54D81C49-805D-97C2-E835-005896E809E1}"/>
-              </a:ext>
-            </a:extLst>
-          </p:cNvPr>
-          <p:cNvPicPr>
-            <a:picLocks noChangeAspect="1"/>
-          </p:cNvPicPr>
-          <p:nvPr/>
-        </p:nvPicPr>
-        <p:blipFill>
-          <a:blip r:embed="rId3"/>
-          <a:stretch>
-            <a:fillRect/>
-          </a:stretch>
-        </p:blipFill>
-        <p:spPr>
-          <a:xfrm>
-            <a:off x="6962999" y="1243352"/>
-            <a:ext cx="4611610" cy="5227238"/>
-          </a:xfrm>
-          <a:prstGeom prst="rect">
-            <a:avLst/>
-          </a:prstGeom>
-        </p:spPr>
-      </p:pic>
-    </p:spTree>
-    <p:extLst>
-      <p:ext uri="{BB962C8B-B14F-4D97-AF65-F5344CB8AC3E}">
-        <p14:creationId xmlns:p14="http://schemas.microsoft.com/office/powerpoint/2010/main" val="2284913163"/>
-      </p:ext>
-    </p:extLst>
-  </p:cSld>
-  <p:clrMapOvr>
-    <a:masterClrMapping/>
-  </p:clrMapOvr>
-</p:sld>
-</file>
-
-<file path=ppt/slides/slide20.xml><?xml version="1.0" encoding="utf-8"?>
+<file path=ppt/slides/slide22.xml><?xml version="1.0" encoding="utf-8"?>
 <p:sld xmlns:a="http://schemas.openxmlformats.org/drawingml/2006/main" xmlns:r="http://schemas.openxmlformats.org/officeDocument/2006/relationships" xmlns:p="http://schemas.openxmlformats.org/presentationml/2006/main">
   <p:cSld>
     <p:spTree>
@@ -28965,7 +29543,7 @@
 </p:sld>
 </file>
 
-<file path=ppt/slides/slide21.xml><?xml version="1.0" encoding="utf-8"?>
+<file path=ppt/slides/slide23.xml><?xml version="1.0" encoding="utf-8"?>
 <p:sld xmlns:a="http://schemas.openxmlformats.org/drawingml/2006/main" xmlns:r="http://schemas.openxmlformats.org/officeDocument/2006/relationships" xmlns:p="http://schemas.openxmlformats.org/presentationml/2006/main">
   <p:cSld>
     <p:spTree>
@@ -29176,7 +29754,7 @@
                 </a:solidFill>
                 <a:latin typeface="HSE Sans" panose="02000000000000000000" pitchFamily="2" charset="0"/>
               </a:rPr>
-              <a:t>21</a:t>
+              <a:t>23</a:t>
             </a:fld>
             <a:endParaRPr lang="ru-RU" sz="2000">
               <a:solidFill>
@@ -30526,7 +31104,7 @@
 </p:sld>
 </file>
 
-<file path=ppt/slides/slide22.xml><?xml version="1.0" encoding="utf-8"?>
+<file path=ppt/slides/slide24.xml><?xml version="1.0" encoding="utf-8"?>
 <p:sld xmlns:a="http://schemas.openxmlformats.org/drawingml/2006/main" xmlns:r="http://schemas.openxmlformats.org/officeDocument/2006/relationships" xmlns:p="http://schemas.openxmlformats.org/presentationml/2006/main">
   <p:cSld>
     <p:spTree>
@@ -30737,7 +31315,7 @@
 </p:sld>
 </file>
 
-<file path=ppt/slides/slide23.xml><?xml version="1.0" encoding="utf-8"?>
+<file path=ppt/slides/slide25.xml><?xml version="1.0" encoding="utf-8"?>
 <p:sld xmlns:a="http://schemas.openxmlformats.org/drawingml/2006/main" xmlns:r="http://schemas.openxmlformats.org/officeDocument/2006/relationships" xmlns:p="http://schemas.openxmlformats.org/presentationml/2006/main">
   <p:cSld>
     <p:spTree>
@@ -30948,7 +31526,7 @@
 </p:sld>
 </file>
 
-<file path=ppt/slides/slide24.xml><?xml version="1.0" encoding="utf-8"?>
+<file path=ppt/slides/slide26.xml><?xml version="1.0" encoding="utf-8"?>
 <p:sld xmlns:a="http://schemas.openxmlformats.org/drawingml/2006/main" xmlns:r="http://schemas.openxmlformats.org/officeDocument/2006/relationships" xmlns:p="http://schemas.openxmlformats.org/presentationml/2006/main">
   <p:cSld>
     <p:spTree>
@@ -31167,7 +31745,7 @@
 </p:sld>
 </file>
 
-<file path=ppt/slides/slide25.xml><?xml version="1.0" encoding="utf-8"?>
+<file path=ppt/slides/slide27.xml><?xml version="1.0" encoding="utf-8"?>
 <p:sld xmlns:a="http://schemas.openxmlformats.org/drawingml/2006/main" xmlns:r="http://schemas.openxmlformats.org/officeDocument/2006/relationships" xmlns:p="http://schemas.openxmlformats.org/presentationml/2006/main">
   <p:cSld>
     <p:spTree>
@@ -31272,7 +31850,7 @@
 </p:sld>
 </file>
 
-<file path=ppt/slides/slide26.xml><?xml version="1.0" encoding="utf-8"?>
+<file path=ppt/slides/slide28.xml><?xml version="1.0" encoding="utf-8"?>
 <p:sld xmlns:a="http://schemas.openxmlformats.org/drawingml/2006/main" xmlns:r="http://schemas.openxmlformats.org/officeDocument/2006/relationships" xmlns:p="http://schemas.openxmlformats.org/presentationml/2006/main">
   <p:cSld>
     <p:spTree>
@@ -31955,7 +32533,7 @@
             </a:r>
             <a:r>
               <a:rPr lang="ru-RU" dirty="0"/>
-              <a:t>с помощью модификаций запросов</a:t>
+              <a:t>с помощью модифицированных запросов</a:t>
             </a:r>
           </a:p>
         </p:txBody>
@@ -32221,16 +32799,24 @@
               <a:buChar char="•"/>
             </a:pPr>
             <a:r>
-              <a:rPr lang="ru-RU" sz="1600" dirty="0"/>
-              <a:t>Собираем </a:t>
-            </a:r>
-            <a:r>
-              <a:rPr lang="ru-RU" sz="1600" dirty="0" err="1"/>
+              <a:rPr lang="ru-RU" sz="1600" b="1" dirty="0"/>
+              <a:t>Берём </a:t>
+            </a:r>
+            <a:r>
+              <a:rPr lang="ru-RU" sz="1600" b="1" dirty="0" err="1"/>
               <a:t>датасет</a:t>
             </a:r>
             <a:r>
-              <a:rPr lang="ru-RU" sz="1600" dirty="0"/>
-              <a:t> из набора запросов и правильных ответов</a:t>
+              <a:rPr lang="ru-RU" sz="1600" b="1" dirty="0"/>
+              <a:t> из набора запросов и правильных ответов. Измеряем наличие галлюцинаций для нескольких </a:t>
+            </a:r>
+            <a:r>
+              <a:rPr lang="en-US" sz="1600" b="1" dirty="0"/>
+              <a:t>LLM</a:t>
+            </a:r>
+            <a:r>
+              <a:rPr lang="ru-RU" sz="1600" b="1" dirty="0"/>
+              <a:t> (Дима)</a:t>
             </a:r>
           </a:p>
           <a:p>
@@ -32240,7 +32826,7 @@
             </a:pPr>
             <a:r>
               <a:rPr lang="ru-RU" sz="1600" dirty="0"/>
-              <a:t>Определяем и рассчитываем метрики </a:t>
+              <a:t>Определяем метрики </a:t>
             </a:r>
             <a:r>
               <a:rPr lang="en-US" sz="1600" dirty="0"/>
@@ -32266,60 +32852,13 @@
             </a:pPr>
             <a:r>
               <a:rPr lang="ru-RU" sz="1600" dirty="0"/>
-              <a:t>Дополняем данные</a:t>
-            </a:r>
-            <a:r>
-              <a:rPr lang="en-US" sz="1600" dirty="0"/>
-              <a:t>: </a:t>
-            </a:r>
-            <a:r>
-              <a:rPr lang="ru-RU" sz="1600" dirty="0"/>
-              <a:t>переформулируем запросы более </a:t>
-            </a:r>
-            <a:r>
-              <a:rPr lang="en-US" sz="1600" dirty="0"/>
-              <a:t>“</a:t>
-            </a:r>
-            <a:r>
-              <a:rPr lang="ru-RU" sz="1600" dirty="0"/>
-              <a:t>правильно</a:t>
-            </a:r>
-            <a:r>
-              <a:rPr lang="en-US" sz="1600" dirty="0"/>
-              <a:t>”</a:t>
-            </a:r>
-            <a:r>
-              <a:rPr lang="ru-RU" sz="1600" dirty="0"/>
-              <a:t> разными способами, в соответствии с метриками</a:t>
-            </a:r>
-          </a:p>
-          <a:p>
-            <a:pPr marL="285750" indent="-285750">
-              <a:buFont typeface="Arial" panose="020B0604020202020204" pitchFamily="34" charset="0"/>
-              <a:buChar char="•"/>
-            </a:pPr>
-            <a:r>
-              <a:rPr lang="ru-RU" sz="1600" dirty="0"/>
-              <a:t>Отбираем </a:t>
-            </a:r>
-            <a:r>
-              <a:rPr lang="en-US" sz="1600" dirty="0"/>
-              <a:t>LLM </a:t>
-            </a:r>
-            <a:r>
-              <a:rPr lang="ru-RU" sz="1600" dirty="0"/>
-              <a:t>для сравнения</a:t>
-            </a:r>
-          </a:p>
-          <a:p>
-            <a:pPr marL="285750" indent="-285750">
-              <a:buFont typeface="Arial" panose="020B0604020202020204" pitchFamily="34" charset="0"/>
-              <a:buChar char="•"/>
-            </a:pPr>
-            <a:r>
-              <a:rPr lang="ru-RU" sz="1600" dirty="0"/>
-              <a:t>Измеряем наличие галлюцинаций на всём наборе данных</a:t>
-            </a:r>
+              <a:t>Реализуем и рассчитываем метрики для каждого запроса из </a:t>
+            </a:r>
+            <a:r>
+              <a:rPr lang="ru-RU" sz="1600" dirty="0" err="1"/>
+              <a:t>датасета</a:t>
+            </a:r>
+            <a:endParaRPr lang="ru-RU" sz="1600" dirty="0"/>
           </a:p>
           <a:p>
             <a:pPr marL="285750" indent="-285750">
@@ -32548,7 +33087,7 @@
           <a:p>
             <a:r>
               <a:rPr lang="ru-RU" sz="1800" dirty="0"/>
-              <a:t>Предлагается использовать </a:t>
+              <a:t>Используем </a:t>
             </a:r>
             <a:r>
               <a:rPr lang="en" sz="1800" dirty="0"/>
@@ -32567,6 +33106,12 @@
             <a:r>
               <a:rPr lang="ru-RU" sz="1800" dirty="0"/>
               <a:t>Данная метрика зависит от отношения среднего числа слов в предложении, а так же среднего числа слогов в слове</a:t>
+            </a:r>
+          </a:p>
+          <a:p>
+            <a:r>
+              <a:rPr lang="ru-RU" sz="1800" dirty="0"/>
+              <a:t>Значения от 0 до 100</a:t>
             </a:r>
           </a:p>
         </p:txBody>
@@ -32640,36 +33185,6 @@
           </a:p>
         </p:txBody>
       </p:sp>
-      <p:pic>
-        <p:nvPicPr>
-          <p:cNvPr id="2" name="Рисунок 1">
-            <a:extLst>
-              <a:ext uri="{FF2B5EF4-FFF2-40B4-BE49-F238E27FC236}">
-                <a16:creationId xmlns:a16="http://schemas.microsoft.com/office/drawing/2014/main" id="{7D326768-CF9B-FE8C-E7B8-4FB3AD39E86B}"/>
-              </a:ext>
-            </a:extLst>
-          </p:cNvPr>
-          <p:cNvPicPr>
-            <a:picLocks noChangeAspect="1"/>
-          </p:cNvPicPr>
-          <p:nvPr/>
-        </p:nvPicPr>
-        <p:blipFill>
-          <a:blip r:embed="rId2"/>
-          <a:stretch>
-            <a:fillRect/>
-          </a:stretch>
-        </p:blipFill>
-        <p:spPr>
-          <a:xfrm>
-            <a:off x="7579562" y="2363055"/>
-            <a:ext cx="4026541" cy="3238551"/>
-          </a:xfrm>
-          <a:prstGeom prst="rect">
-            <a:avLst/>
-          </a:prstGeom>
-        </p:spPr>
-      </p:pic>
       <p:sp>
         <p:nvSpPr>
           <p:cNvPr id="9" name="TextBox 8">
@@ -32706,6 +33221,66 @@
           </a:p>
         </p:txBody>
       </p:sp>
+      <p:pic>
+        <p:nvPicPr>
+          <p:cNvPr id="10" name="Рисунок 9">
+            <a:extLst>
+              <a:ext uri="{FF2B5EF4-FFF2-40B4-BE49-F238E27FC236}">
+                <a16:creationId xmlns:a16="http://schemas.microsoft.com/office/drawing/2014/main" id="{580A7981-DB46-3A8A-7EF3-F0D70012B8AD}"/>
+              </a:ext>
+            </a:extLst>
+          </p:cNvPr>
+          <p:cNvPicPr>
+            <a:picLocks noChangeAspect="1"/>
+          </p:cNvPicPr>
+          <p:nvPr/>
+        </p:nvPicPr>
+        <p:blipFill>
+          <a:blip r:embed="rId2"/>
+          <a:stretch>
+            <a:fillRect/>
+          </a:stretch>
+        </p:blipFill>
+        <p:spPr>
+          <a:xfrm>
+            <a:off x="5529263" y="4529038"/>
+            <a:ext cx="5994986" cy="1243858"/>
+          </a:xfrm>
+          <a:prstGeom prst="rect">
+            <a:avLst/>
+          </a:prstGeom>
+        </p:spPr>
+      </p:pic>
+      <p:pic>
+        <p:nvPicPr>
+          <p:cNvPr id="11" name="Рисунок 10">
+            <a:extLst>
+              <a:ext uri="{FF2B5EF4-FFF2-40B4-BE49-F238E27FC236}">
+                <a16:creationId xmlns:a16="http://schemas.microsoft.com/office/drawing/2014/main" id="{FC0B667D-0FC1-A0D7-49CF-5B66E7B32DFD}"/>
+              </a:ext>
+            </a:extLst>
+          </p:cNvPr>
+          <p:cNvPicPr>
+            <a:picLocks noChangeAspect="1"/>
+          </p:cNvPicPr>
+          <p:nvPr/>
+        </p:nvPicPr>
+        <p:blipFill>
+          <a:blip r:embed="rId3"/>
+          <a:stretch>
+            <a:fillRect/>
+          </a:stretch>
+        </p:blipFill>
+        <p:spPr>
+          <a:xfrm>
+            <a:off x="7803149" y="1305501"/>
+            <a:ext cx="3721100" cy="2971800"/>
+          </a:xfrm>
+          <a:prstGeom prst="rect">
+            <a:avLst/>
+          </a:prstGeom>
+        </p:spPr>
+      </p:pic>
     </p:spTree>
     <p:extLst>
       <p:ext uri="{BB962C8B-B14F-4D97-AF65-F5344CB8AC3E}">
@@ -32822,7 +33397,7 @@
           <a:p>
             <a:r>
               <a:rPr lang="ru-RU" sz="1800" dirty="0"/>
-              <a:t>Предлагается использовать определение формальности из статьи</a:t>
+              <a:t>Используем определение формальности из статьи</a:t>
             </a:r>
             <a:r>
               <a:rPr lang="en-US" sz="1800" dirty="0"/>
@@ -32840,26 +33415,13 @@
               <a:rPr lang="ru-RU" sz="1800" dirty="0"/>
               <a:t>Уменьшается, если используются местоимения, глаголы, наречия и междометия</a:t>
             </a:r>
-            <a:endParaRPr lang="en-US" sz="1800" dirty="0"/>
           </a:p>
           <a:p>
             <a:r>
               <a:rPr lang="ru-RU" sz="1800" dirty="0"/>
-              <a:t>Необходимо найти модель для морфологического анализа предложений (по аналогии с </a:t>
-            </a:r>
-            <a:r>
-              <a:rPr lang="en-US" sz="1800" dirty="0"/>
-              <a:t>NATASHA/</a:t>
-            </a:r>
-            <a:r>
-              <a:rPr lang="en-US" sz="1800" dirty="0" err="1"/>
-              <a:t>Nerus</a:t>
-            </a:r>
-            <a:r>
-              <a:rPr lang="en-US" sz="1800" dirty="0"/>
-              <a:t>)</a:t>
-            </a:r>
-            <a:endParaRPr lang="ru-RU" sz="1800" dirty="0"/>
+              <a:t>Значения от 0 до 100</a:t>
+            </a:r>
+            <a:endParaRPr lang="en-US" sz="1800" dirty="0"/>
           </a:p>
         </p:txBody>
       </p:sp>
@@ -32970,10 +33532,10 @@
       </p:sp>
       <p:pic>
         <p:nvPicPr>
-          <p:cNvPr id="6" name="Рисунок 5">
-            <a:extLst>
-              <a:ext uri="{FF2B5EF4-FFF2-40B4-BE49-F238E27FC236}">
-                <a16:creationId xmlns:a16="http://schemas.microsoft.com/office/drawing/2014/main" id="{3C29A1C4-5D2D-6DFE-B3E2-A1E6EA4FDECA}"/>
+          <p:cNvPr id="2" name="Рисунок 1">
+            <a:extLst>
+              <a:ext uri="{FF2B5EF4-FFF2-40B4-BE49-F238E27FC236}">
+                <a16:creationId xmlns:a16="http://schemas.microsoft.com/office/drawing/2014/main" id="{F26E27FC-77D0-D741-55D9-2A3EDDA6632E}"/>
               </a:ext>
             </a:extLst>
           </p:cNvPr>
@@ -32990,8 +33552,38 @@
         </p:blipFill>
         <p:spPr>
           <a:xfrm>
-            <a:off x="7602606" y="3207430"/>
-            <a:ext cx="4003497" cy="1053831"/>
+            <a:off x="6850121" y="4538291"/>
+            <a:ext cx="4755982" cy="1806858"/>
+          </a:xfrm>
+          <a:prstGeom prst="rect">
+            <a:avLst/>
+          </a:prstGeom>
+        </p:spPr>
+      </p:pic>
+      <p:pic>
+        <p:nvPicPr>
+          <p:cNvPr id="7" name="Рисунок 6">
+            <a:extLst>
+              <a:ext uri="{FF2B5EF4-FFF2-40B4-BE49-F238E27FC236}">
+                <a16:creationId xmlns:a16="http://schemas.microsoft.com/office/drawing/2014/main" id="{3D7104A0-700E-0354-E3D2-91ACCCDF13E8}"/>
+              </a:ext>
+            </a:extLst>
+          </p:cNvPr>
+          <p:cNvPicPr>
+            <a:picLocks noChangeAspect="1"/>
+          </p:cNvPicPr>
+          <p:nvPr/>
+        </p:nvPicPr>
+        <p:blipFill>
+          <a:blip r:embed="rId3"/>
+          <a:stretch>
+            <a:fillRect/>
+          </a:stretch>
+        </p:blipFill>
+        <p:spPr>
+          <a:xfrm>
+            <a:off x="6643987" y="1702923"/>
+            <a:ext cx="4795604" cy="1177103"/>
           </a:xfrm>
           <a:prstGeom prst="rect">
             <a:avLst/>
@@ -33130,7 +33722,7 @@
           <a:p>
             <a:r>
               <a:rPr lang="ru-RU" sz="1800" dirty="0"/>
-              <a:t>Предлагается использовать определение из статьи</a:t>
+              <a:t>Используем определение из статьи</a:t>
             </a:r>
             <a:r>
               <a:rPr lang="en-US" sz="1800" dirty="0"/>
@@ -33148,7 +33740,7 @@
             </a:r>
             <a:r>
               <a:rPr lang="ru-RU" sz="1800" dirty="0"/>
-              <a:t> конкретных и абстрактных слов (на английском). Словам присвоен рейтинг от 1 до 5.</a:t>
+              <a:t> конкретных и абстрактных слов (на английском). Словам присвоен рейтинг от 1 до 5. Для предложений берём среднюю конкретность слов в них.</a:t>
             </a:r>
           </a:p>
         </p:txBody>
@@ -33300,8 +33892,38 @@
         </p:blipFill>
         <p:spPr>
           <a:xfrm>
-            <a:off x="7429788" y="2224034"/>
+            <a:off x="7429788" y="1447790"/>
             <a:ext cx="4312022" cy="2409931"/>
+          </a:xfrm>
+          <a:prstGeom prst="rect">
+            <a:avLst/>
+          </a:prstGeom>
+        </p:spPr>
+      </p:pic>
+      <p:pic>
+        <p:nvPicPr>
+          <p:cNvPr id="6" name="Рисунок 5">
+            <a:extLst>
+              <a:ext uri="{FF2B5EF4-FFF2-40B4-BE49-F238E27FC236}">
+                <a16:creationId xmlns:a16="http://schemas.microsoft.com/office/drawing/2014/main" id="{15868D27-CD29-38FF-1BC5-004B4F008BEC}"/>
+              </a:ext>
+            </a:extLst>
+          </p:cNvPr>
+          <p:cNvPicPr>
+            <a:picLocks noChangeAspect="1"/>
+          </p:cNvPicPr>
+          <p:nvPr/>
+        </p:nvPicPr>
+        <p:blipFill>
+          <a:blip r:embed="rId4"/>
+          <a:stretch>
+            <a:fillRect/>
+          </a:stretch>
+        </p:blipFill>
+        <p:spPr>
+          <a:xfrm>
+            <a:off x="7305450" y="4250855"/>
+            <a:ext cx="4376376" cy="1451676"/>
           </a:xfrm>
           <a:prstGeom prst="rect">
             <a:avLst/>
@@ -33928,15 +34550,6 @@
 </file>
 
 <file path=customXml/item1.xml><?xml version="1.0" encoding="utf-8"?>
-<?mso-contentType ?>
-<FormTemplates xmlns="http://schemas.microsoft.com/sharepoint/v3/contenttype/forms">
-  <Display>DocumentLibraryForm</Display>
-  <Edit>DocumentLibraryForm</Edit>
-  <New>DocumentLibraryForm</New>
-</FormTemplates>
-</file>
-
-<file path=customXml/item2.xml><?xml version="1.0" encoding="utf-8"?>
 <ct:contentTypeSchema xmlns:ct="http://schemas.microsoft.com/office/2006/metadata/contentType" xmlns:ma="http://schemas.microsoft.com/office/2006/metadata/properties/metaAttributes" ct:_="" ma:_="" ma:contentTypeName="Документ" ma:contentTypeID="0x0101002A9C74E6E830D74E9B0FDDB4017A5417" ma:contentTypeVersion="13" ma:contentTypeDescription="Создание документа." ma:contentTypeScope="" ma:versionID="d4e423622451d608a8a05f4da7a1e1a2">
   <xsd:schema xmlns:xsd="http://www.w3.org/2001/XMLSchema" xmlns:xs="http://www.w3.org/2001/XMLSchema" xmlns:p="http://schemas.microsoft.com/office/2006/metadata/properties" xmlns:ns2="9875bd71-cde8-496c-a136-433f55d5e6d0" xmlns:ns3="e96afe77-3acb-4328-97fc-408e1bde3ecd" targetNamespace="http://schemas.microsoft.com/office/2006/metadata/properties" ma:root="true" ma:fieldsID="4831203c63c08b9f52ea6d3ee0d7a96e" ns2:_="" ns3:_="">
     <xsd:import namespace="9875bd71-cde8-496c-a136-433f55d5e6d0"/>
@@ -34159,6 +34772,15 @@
 </ct:contentTypeSchema>
 </file>
 
+<file path=customXml/item2.xml><?xml version="1.0" encoding="utf-8"?>
+<?mso-contentType ?>
+<FormTemplates xmlns="http://schemas.microsoft.com/sharepoint/v3/contenttype/forms">
+  <Display>DocumentLibraryForm</Display>
+  <Edit>DocumentLibraryForm</Edit>
+  <New>DocumentLibraryForm</New>
+</FormTemplates>
+</file>
+
 <file path=customXml/item3.xml><?xml version="1.0" encoding="utf-8"?>
 <p:properties xmlns:p="http://schemas.microsoft.com/office/2006/metadata/properties" xmlns:xsi="http://www.w3.org/2001/XMLSchema-instance" xmlns:pc="http://schemas.microsoft.com/office/infopath/2007/PartnerControls">
   <documentManagement/>
@@ -34166,14 +34788,6 @@
 </file>
 
 <file path=customXml/itemProps1.xml><?xml version="1.0" encoding="utf-8"?>
-<ds:datastoreItem xmlns:ds="http://schemas.openxmlformats.org/officeDocument/2006/customXml" ds:itemID="{B34386AA-1848-4C75-B336-1053927CB025}">
-  <ds:schemaRefs>
-    <ds:schemaRef ds:uri="http://schemas.microsoft.com/sharepoint/v3/contenttype/forms"/>
-  </ds:schemaRefs>
-</ds:datastoreItem>
-</file>
-
-<file path=customXml/itemProps2.xml><?xml version="1.0" encoding="utf-8"?>
 <ds:datastoreItem xmlns:ds="http://schemas.openxmlformats.org/officeDocument/2006/customXml" ds:itemID="{4D4651DD-DCCC-4759-B2F6-7F520BDCC2B9}">
   <ds:schemaRefs>
     <ds:schemaRef ds:uri="http://schemas.microsoft.com/office/2006/metadata/contentType"/>
@@ -34188,6 +34802,14 @@
     <ds:schemaRef ds:uri="http://purl.org/dc/elements/1.1/"/>
     <ds:schemaRef ds:uri="http://purl.org/dc/terms/"/>
     <ds:schemaRef ds:uri="http://schemas.microsoft.com/internal/obd"/>
+  </ds:schemaRefs>
+</ds:datastoreItem>
+</file>
+
+<file path=customXml/itemProps2.xml><?xml version="1.0" encoding="utf-8"?>
+<ds:datastoreItem xmlns:ds="http://schemas.openxmlformats.org/officeDocument/2006/customXml" ds:itemID="{B34386AA-1848-4C75-B336-1053927CB025}">
+  <ds:schemaRefs>
+    <ds:schemaRef ds:uri="http://schemas.microsoft.com/sharepoint/v3/contenttype/forms"/>
   </ds:schemaRefs>
 </ds:datastoreItem>
 </file>

--- a/presentation/main.pptx
+++ b/presentation/main.pptx
@@ -33105,7 +33105,7 @@
           <a:p>
             <a:r>
               <a:rPr lang="ru-RU" sz="1800" dirty="0"/>
-              <a:t>Данная метрика зависит от отношения среднего числа слов в предложении, а так же среднего числа слогов в слове</a:t>
+              <a:t>Данная метрика зависит от среднего числа слов в предложении, а так же среднего числа слогов в слове</a:t>
             </a:r>
           </a:p>
           <a:p>
